--- a/projeto-modelo-individual-1ads-202/projeto-site/public/OrapSalva.pptx
+++ b/projeto-modelo-individual-1ads-202/projeto-site/public/OrapSalva.pptx
@@ -265,7 +265,7 @@
           <a:p>
             <a:fld id="{99C6333B-9FE8-41B4-A1EC-42E7C6A964ED}" type="datetimeFigureOut">
               <a:rPr lang="pt-BR" smtClean="0"/>
-              <a:t>30/11/2020</a:t>
+              <a:t>01/12/2020</a:t>
             </a:fld>
             <a:endParaRPr lang="pt-BR"/>
           </a:p>
@@ -475,7 +475,7 @@
           <a:p>
             <a:fld id="{99C6333B-9FE8-41B4-A1EC-42E7C6A964ED}" type="datetimeFigureOut">
               <a:rPr lang="pt-BR" smtClean="0"/>
-              <a:t>30/11/2020</a:t>
+              <a:t>01/12/2020</a:t>
             </a:fld>
             <a:endParaRPr lang="pt-BR"/>
           </a:p>
@@ -695,7 +695,7 @@
           <a:p>
             <a:fld id="{99C6333B-9FE8-41B4-A1EC-42E7C6A964ED}" type="datetimeFigureOut">
               <a:rPr lang="pt-BR" smtClean="0"/>
-              <a:t>30/11/2020</a:t>
+              <a:t>01/12/2020</a:t>
             </a:fld>
             <a:endParaRPr lang="pt-BR"/>
           </a:p>
@@ -905,7 +905,7 @@
           <a:p>
             <a:fld id="{99C6333B-9FE8-41B4-A1EC-42E7C6A964ED}" type="datetimeFigureOut">
               <a:rPr lang="pt-BR" smtClean="0"/>
-              <a:t>30/11/2020</a:t>
+              <a:t>01/12/2020</a:t>
             </a:fld>
             <a:endParaRPr lang="pt-BR"/>
           </a:p>
@@ -1192,7 +1192,7 @@
           <a:p>
             <a:fld id="{99C6333B-9FE8-41B4-A1EC-42E7C6A964ED}" type="datetimeFigureOut">
               <a:rPr lang="pt-BR" smtClean="0"/>
-              <a:t>30/11/2020</a:t>
+              <a:t>01/12/2020</a:t>
             </a:fld>
             <a:endParaRPr lang="pt-BR"/>
           </a:p>
@@ -1469,7 +1469,7 @@
           <a:p>
             <a:fld id="{99C6333B-9FE8-41B4-A1EC-42E7C6A964ED}" type="datetimeFigureOut">
               <a:rPr lang="pt-BR" smtClean="0"/>
-              <a:t>30/11/2020</a:t>
+              <a:t>01/12/2020</a:t>
             </a:fld>
             <a:endParaRPr lang="pt-BR"/>
           </a:p>
@@ -1893,7 +1893,7 @@
           <a:p>
             <a:fld id="{99C6333B-9FE8-41B4-A1EC-42E7C6A964ED}" type="datetimeFigureOut">
               <a:rPr lang="pt-BR" smtClean="0"/>
-              <a:t>30/11/2020</a:t>
+              <a:t>01/12/2020</a:t>
             </a:fld>
             <a:endParaRPr lang="pt-BR"/>
           </a:p>
@@ -2046,7 +2046,7 @@
           <a:p>
             <a:fld id="{99C6333B-9FE8-41B4-A1EC-42E7C6A964ED}" type="datetimeFigureOut">
               <a:rPr lang="pt-BR" smtClean="0"/>
-              <a:t>30/11/2020</a:t>
+              <a:t>01/12/2020</a:t>
             </a:fld>
             <a:endParaRPr lang="pt-BR"/>
           </a:p>
@@ -2171,7 +2171,7 @@
           <a:p>
             <a:fld id="{99C6333B-9FE8-41B4-A1EC-42E7C6A964ED}" type="datetimeFigureOut">
               <a:rPr lang="pt-BR" smtClean="0"/>
-              <a:t>30/11/2020</a:t>
+              <a:t>01/12/2020</a:t>
             </a:fld>
             <a:endParaRPr lang="pt-BR"/>
           </a:p>
@@ -2494,7 +2494,7 @@
           <a:p>
             <a:fld id="{99C6333B-9FE8-41B4-A1EC-42E7C6A964ED}" type="datetimeFigureOut">
               <a:rPr lang="pt-BR" smtClean="0"/>
-              <a:t>30/11/2020</a:t>
+              <a:t>01/12/2020</a:t>
             </a:fld>
             <a:endParaRPr lang="pt-BR"/>
           </a:p>
@@ -2794,7 +2794,7 @@
           <a:p>
             <a:fld id="{99C6333B-9FE8-41B4-A1EC-42E7C6A964ED}" type="datetimeFigureOut">
               <a:rPr lang="pt-BR" smtClean="0"/>
-              <a:t>30/11/2020</a:t>
+              <a:t>01/12/2020</a:t>
             </a:fld>
             <a:endParaRPr lang="pt-BR"/>
           </a:p>
@@ -3047,7 +3047,7 @@
           <a:p>
             <a:fld id="{99C6333B-9FE8-41B4-A1EC-42E7C6A964ED}" type="datetimeFigureOut">
               <a:rPr lang="pt-BR" smtClean="0"/>
-              <a:t>30/11/2020</a:t>
+              <a:t>01/12/2020</a:t>
             </a:fld>
             <a:endParaRPr lang="pt-BR"/>
           </a:p>
@@ -5147,6 +5147,94 @@
           </a:prstGeom>
         </p:spPr>
       </p:pic>
+      <p:sp>
+        <p:nvSpPr>
+          <p:cNvPr id="4" name="Retângulo 3">
+            <a:extLst>
+              <a:ext uri="{FF2B5EF4-FFF2-40B4-BE49-F238E27FC236}">
+                <a16:creationId xmlns:a16="http://schemas.microsoft.com/office/drawing/2014/main" id="{A0F4DAE3-74FF-44FF-A9E8-EB3362D0BDF1}"/>
+              </a:ext>
+            </a:extLst>
+          </p:cNvPr>
+          <p:cNvSpPr/>
+          <p:nvPr/>
+        </p:nvSpPr>
+        <p:spPr>
+          <a:xfrm>
+            <a:off x="4666735" y="807031"/>
+            <a:ext cx="2858529" cy="642552"/>
+          </a:xfrm>
+          <a:prstGeom prst="rect">
+            <a:avLst/>
+          </a:prstGeom>
+          <a:solidFill>
+            <a:schemeClr val="tx1"/>
+          </a:solidFill>
+        </p:spPr>
+        <p:style>
+          <a:lnRef idx="2">
+            <a:schemeClr val="accent1">
+              <a:shade val="50000"/>
+            </a:schemeClr>
+          </a:lnRef>
+          <a:fillRef idx="1">
+            <a:schemeClr val="accent1"/>
+          </a:fillRef>
+          <a:effectRef idx="0">
+            <a:schemeClr val="accent1"/>
+          </a:effectRef>
+          <a:fontRef idx="minor">
+            <a:schemeClr val="lt1"/>
+          </a:fontRef>
+        </p:style>
+        <p:txBody>
+          <a:bodyPr rtlCol="0" anchor="ctr"/>
+          <a:lstStyle/>
+          <a:p>
+            <a:pPr algn="ctr"/>
+            <a:endParaRPr lang="pt-BR"/>
+          </a:p>
+        </p:txBody>
+      </p:sp>
+      <p:sp>
+        <p:nvSpPr>
+          <p:cNvPr id="5" name="CaixaDeTexto 4">
+            <a:extLst>
+              <a:ext uri="{FF2B5EF4-FFF2-40B4-BE49-F238E27FC236}">
+                <a16:creationId xmlns:a16="http://schemas.microsoft.com/office/drawing/2014/main" id="{6873AA40-7315-426F-A2F6-5E4E6A1DDC7B}"/>
+              </a:ext>
+            </a:extLst>
+          </p:cNvPr>
+          <p:cNvSpPr txBox="1"/>
+          <p:nvPr/>
+        </p:nvSpPr>
+        <p:spPr>
+          <a:xfrm>
+            <a:off x="4666735" y="807031"/>
+            <a:ext cx="3735860" cy="630942"/>
+          </a:xfrm>
+          <a:prstGeom prst="rect">
+            <a:avLst/>
+          </a:prstGeom>
+          <a:noFill/>
+        </p:spPr>
+        <p:txBody>
+          <a:bodyPr wrap="square" rtlCol="0">
+            <a:spAutoFit/>
+          </a:bodyPr>
+          <a:lstStyle/>
+          <a:p>
+            <a:r>
+              <a:rPr lang="pt-BR" sz="3500" dirty="0">
+                <a:solidFill>
+                  <a:schemeClr val="bg1"/>
+                </a:solidFill>
+              </a:rPr>
+              <a:t>DIFICULDADES</a:t>
+            </a:r>
+          </a:p>
+        </p:txBody>
+      </p:sp>
     </p:spTree>
     <p:extLst>
       <p:ext uri="{BB962C8B-B14F-4D97-AF65-F5344CB8AC3E}">

--- a/projeto-modelo-individual-1ads-202/projeto-site/public/OrapSalva.pptx
+++ b/projeto-modelo-individual-1ads-202/projeto-site/public/OrapSalva.pptx
@@ -5119,10 +5119,10 @@
       </p:grpSpPr>
       <p:pic>
         <p:nvPicPr>
-          <p:cNvPr id="3" name="Imagem 2">
-            <a:extLst>
-              <a:ext uri="{FF2B5EF4-FFF2-40B4-BE49-F238E27FC236}">
-                <a16:creationId xmlns:a16="http://schemas.microsoft.com/office/drawing/2014/main" id="{9F5FDD66-699B-4924-9E61-62ABF9BEE3F9}"/>
+          <p:cNvPr id="6" name="Imagem 5">
+            <a:extLst>
+              <a:ext uri="{FF2B5EF4-FFF2-40B4-BE49-F238E27FC236}">
+                <a16:creationId xmlns:a16="http://schemas.microsoft.com/office/drawing/2014/main" id="{A36D6B51-6903-4F1E-A52C-806AD035C094}"/>
               </a:ext>
             </a:extLst>
           </p:cNvPr>
@@ -5139,102 +5139,14 @@
         </p:blipFill>
         <p:spPr>
           <a:xfrm>
-            <a:off x="0" y="10599"/>
-            <a:ext cx="12192000" cy="6836802"/>
+            <a:off x="0" y="0"/>
+            <a:ext cx="12192000" cy="6858000"/>
           </a:xfrm>
           <a:prstGeom prst="rect">
             <a:avLst/>
           </a:prstGeom>
         </p:spPr>
       </p:pic>
-      <p:sp>
-        <p:nvSpPr>
-          <p:cNvPr id="4" name="Retângulo 3">
-            <a:extLst>
-              <a:ext uri="{FF2B5EF4-FFF2-40B4-BE49-F238E27FC236}">
-                <a16:creationId xmlns:a16="http://schemas.microsoft.com/office/drawing/2014/main" id="{A0F4DAE3-74FF-44FF-A9E8-EB3362D0BDF1}"/>
-              </a:ext>
-            </a:extLst>
-          </p:cNvPr>
-          <p:cNvSpPr/>
-          <p:nvPr/>
-        </p:nvSpPr>
-        <p:spPr>
-          <a:xfrm>
-            <a:off x="4666735" y="807031"/>
-            <a:ext cx="2858529" cy="642552"/>
-          </a:xfrm>
-          <a:prstGeom prst="rect">
-            <a:avLst/>
-          </a:prstGeom>
-          <a:solidFill>
-            <a:schemeClr val="tx1"/>
-          </a:solidFill>
-        </p:spPr>
-        <p:style>
-          <a:lnRef idx="2">
-            <a:schemeClr val="accent1">
-              <a:shade val="50000"/>
-            </a:schemeClr>
-          </a:lnRef>
-          <a:fillRef idx="1">
-            <a:schemeClr val="accent1"/>
-          </a:fillRef>
-          <a:effectRef idx="0">
-            <a:schemeClr val="accent1"/>
-          </a:effectRef>
-          <a:fontRef idx="minor">
-            <a:schemeClr val="lt1"/>
-          </a:fontRef>
-        </p:style>
-        <p:txBody>
-          <a:bodyPr rtlCol="0" anchor="ctr"/>
-          <a:lstStyle/>
-          <a:p>
-            <a:pPr algn="ctr"/>
-            <a:endParaRPr lang="pt-BR"/>
-          </a:p>
-        </p:txBody>
-      </p:sp>
-      <p:sp>
-        <p:nvSpPr>
-          <p:cNvPr id="5" name="CaixaDeTexto 4">
-            <a:extLst>
-              <a:ext uri="{FF2B5EF4-FFF2-40B4-BE49-F238E27FC236}">
-                <a16:creationId xmlns:a16="http://schemas.microsoft.com/office/drawing/2014/main" id="{6873AA40-7315-426F-A2F6-5E4E6A1DDC7B}"/>
-              </a:ext>
-            </a:extLst>
-          </p:cNvPr>
-          <p:cNvSpPr txBox="1"/>
-          <p:nvPr/>
-        </p:nvSpPr>
-        <p:spPr>
-          <a:xfrm>
-            <a:off x="4666735" y="807031"/>
-            <a:ext cx="3735860" cy="630942"/>
-          </a:xfrm>
-          <a:prstGeom prst="rect">
-            <a:avLst/>
-          </a:prstGeom>
-          <a:noFill/>
-        </p:spPr>
-        <p:txBody>
-          <a:bodyPr wrap="square" rtlCol="0">
-            <a:spAutoFit/>
-          </a:bodyPr>
-          <a:lstStyle/>
-          <a:p>
-            <a:r>
-              <a:rPr lang="pt-BR" sz="3500" dirty="0">
-                <a:solidFill>
-                  <a:schemeClr val="bg1"/>
-                </a:solidFill>
-              </a:rPr>
-              <a:t>DIFICULDADES</a:t>
-            </a:r>
-          </a:p>
-        </p:txBody>
-      </p:sp>
     </p:spTree>
     <p:extLst>
       <p:ext uri="{BB962C8B-B14F-4D97-AF65-F5344CB8AC3E}">
